--- a/Content/MUJSIH017_CluelessCoders.pptx
+++ b/Content/MUJSIH017_CluelessCoders.pptx
@@ -269,7 +269,7 @@
             <a:fld id="{C4D5ADD5-2BBC-4A94-8F86-D9013941F742}" type="datetimeFigureOut">
               <a:rPr lang="en-US"/>
               <a:pPr/>
-              <a:t>08-Sep-24</a:t>
+              <a:t>9/9/24</a:t>
             </a:fld>
             <a:endParaRPr lang="en-US"/>
           </a:p>
@@ -656,7 +656,7 @@
                 <a:spcPct val="0"/>
               </a:spcBef>
             </a:pPr>
-            <a:endParaRPr lang="en-US">
+            <a:endParaRPr lang="en-US" dirty="0">
               <a:ea typeface="ＭＳ Ｐゴシック" pitchFamily="1" charset="-128"/>
             </a:endParaRPr>
           </a:p>
@@ -1542,7 +1542,7 @@
           <a:p>
             <a:fld id="{E60792E3-D524-454C-8AFD-A91972900BCB}" type="datetime1">
               <a:rPr lang="en-US" smtClean="0"/>
-              <a:t>08-Sep-24</a:t>
+              <a:t>9/9/24</a:t>
             </a:fld>
             <a:endParaRPr lang="en-US"/>
           </a:p>
@@ -1724,7 +1724,7 @@
           <a:p>
             <a:fld id="{053C3A68-6922-42D3-8905-ECC2D82A3469}" type="datetime1">
               <a:rPr lang="en-US" smtClean="0"/>
-              <a:t>08-Sep-24</a:t>
+              <a:t>9/9/24</a:t>
             </a:fld>
             <a:endParaRPr lang="en-US"/>
           </a:p>
@@ -1916,7 +1916,7 @@
           <a:p>
             <a:fld id="{CB69E9F4-7604-4950-A8B2-8ACDEDB1506E}" type="datetime1">
               <a:rPr lang="en-US" smtClean="0"/>
-              <a:t>08-Sep-24</a:t>
+              <a:t>9/9/24</a:t>
             </a:fld>
             <a:endParaRPr lang="en-US"/>
           </a:p>
@@ -2098,7 +2098,7 @@
           <a:p>
             <a:fld id="{708B7524-32A2-4C20-A58C-BC3BAA1042FC}" type="datetime1">
               <a:rPr lang="en-US" smtClean="0"/>
-              <a:t>08-Sep-24</a:t>
+              <a:t>9/9/24</a:t>
             </a:fld>
             <a:endParaRPr lang="en-US"/>
           </a:p>
@@ -2357,7 +2357,7 @@
           <a:p>
             <a:fld id="{1E994447-D6B2-43BB-A877-57F1A267B999}" type="datetime1">
               <a:rPr lang="en-US" smtClean="0"/>
-              <a:t>08-Sep-24</a:t>
+              <a:t>9/9/24</a:t>
             </a:fld>
             <a:endParaRPr lang="en-US"/>
           </a:p>
@@ -2656,7 +2656,7 @@
           <a:p>
             <a:fld id="{68920E16-BD35-483C-AA6B-346FC7E46DEA}" type="datetime1">
               <a:rPr lang="en-US" smtClean="0"/>
-              <a:t>08-Sep-24</a:t>
+              <a:t>9/9/24</a:t>
             </a:fld>
             <a:endParaRPr lang="en-US"/>
           </a:p>
@@ -3089,7 +3089,7 @@
           <a:p>
             <a:fld id="{2FEAC6F8-5103-4FC0-A69E-5C6AE6469DA8}" type="datetime1">
               <a:rPr lang="en-US" smtClean="0"/>
-              <a:t>08-Sep-24</a:t>
+              <a:t>9/9/24</a:t>
             </a:fld>
             <a:endParaRPr lang="en-US"/>
           </a:p>
@@ -3220,7 +3220,7 @@
           <a:p>
             <a:fld id="{C60C6921-0627-4C8F-83D5-0CF936D2FFDD}" type="datetime1">
               <a:rPr lang="en-US" smtClean="0"/>
-              <a:t>08-Sep-24</a:t>
+              <a:t>9/9/24</a:t>
             </a:fld>
             <a:endParaRPr lang="en-US"/>
           </a:p>
@@ -3329,7 +3329,7 @@
           <a:p>
             <a:fld id="{2FF08AD7-8103-40F8-983C-E2BA6BB9CBE0}" type="datetime1">
               <a:rPr lang="en-US" smtClean="0"/>
-              <a:t>08-Sep-24</a:t>
+              <a:t>9/9/24</a:t>
             </a:fld>
             <a:endParaRPr lang="en-US"/>
           </a:p>
@@ -3618,7 +3618,7 @@
           <a:p>
             <a:fld id="{DF8C06B4-9380-4A4D-AF49-A3596E17DAF5}" type="datetime1">
               <a:rPr lang="en-US" smtClean="0"/>
-              <a:t>08-Sep-24</a:t>
+              <a:t>9/9/24</a:t>
             </a:fld>
             <a:endParaRPr lang="en-US"/>
           </a:p>
@@ -3887,7 +3887,7 @@
           <a:p>
             <a:fld id="{EF7FDEF1-C582-4E22-9E77-D68326471F28}" type="datetime1">
               <a:rPr lang="en-US" smtClean="0"/>
-              <a:t>08-Sep-24</a:t>
+              <a:t>9/9/24</a:t>
             </a:fld>
             <a:endParaRPr lang="en-US"/>
           </a:p>
@@ -4130,7 +4130,7 @@
           <a:p>
             <a:fld id="{780A9602-A9A9-453F-AEF1-37B5837E02CD}" type="datetime1">
               <a:rPr lang="en-US" smtClean="0"/>
-              <a:t>08-Sep-24</a:t>
+              <a:t>9/9/24</a:t>
             </a:fld>
             <a:endParaRPr lang="en-US"/>
           </a:p>
@@ -6540,22 +6540,40 @@
               <a:defRPr/>
             </a:pPr>
             <a:r>
-              <a:rPr kumimoji="0" lang="en-US" sz="1200" b="0" i="0" u="none" strike="noStrike" kern="1200" cap="none" spc="0" normalizeH="0" baseline="0" noProof="0" dirty="0">
-                <a:ln>
-                  <a:noFill/>
-                </a:ln>
+              <a:rPr lang="en-US" sz="1200" b="1" dirty="0">
+                <a:solidFill>
+                  <a:schemeClr val="bg1"/>
+                </a:solidFill>
+                <a:latin typeface="Arial" panose="020B0604020202020204" pitchFamily="34" charset="0"/>
+                <a:ea typeface="Roboto" panose="02000000000000000000" pitchFamily="2" charset="0"/>
+                <a:cs typeface="Arial" panose="020B0604020202020204" pitchFamily="34" charset="0"/>
+              </a:rPr>
+              <a:t>MUJSIH017 - </a:t>
+            </a:r>
+            <a:r>
+              <a:rPr lang="en-US" sz="1200" dirty="0">
                 <a:solidFill>
                   <a:prstClr val="white"/>
                 </a:solidFill>
-                <a:effectLst/>
-                <a:uLnTx/>
-                <a:uFillTx/>
                 <a:latin typeface="TradeGothic"/>
                 <a:ea typeface="+mn-ea"/>
-                <a:cs typeface="+mn-cs"/>
-              </a:rPr>
-              <a:t>@SIH Idea submission- Template</a:t>
-            </a:r>
+              </a:rPr>
+              <a:t>Clueless Coders</a:t>
+            </a:r>
+            <a:endParaRPr kumimoji="0" lang="en-US" sz="1200" b="0" i="0" u="none" strike="noStrike" kern="1200" cap="none" spc="0" normalizeH="0" baseline="0" noProof="0" dirty="0">
+              <a:ln>
+                <a:noFill/>
+              </a:ln>
+              <a:solidFill>
+                <a:prstClr val="white"/>
+              </a:solidFill>
+              <a:effectLst/>
+              <a:uLnTx/>
+              <a:uFillTx/>
+              <a:latin typeface="TradeGothic"/>
+              <a:ea typeface="+mn-ea"/>
+              <a:cs typeface="+mn-cs"/>
+            </a:endParaRPr>
           </a:p>
         </p:txBody>
       </p:sp>
@@ -6912,6 +6930,71 @@
               <a:latin typeface="Arial" panose="020B0604020202020204" pitchFamily="34" charset="0"/>
               <a:cs typeface="Arial" panose="020B0604020202020204" pitchFamily="34" charset="0"/>
             </a:endParaRPr>
+          </a:p>
+        </p:txBody>
+      </p:sp>
+      <p:sp>
+        <p:nvSpPr>
+          <p:cNvPr id="9" name="TextBox 8">
+            <a:extLst>
+              <a:ext uri="{FF2B5EF4-FFF2-40B4-BE49-F238E27FC236}">
+                <a16:creationId xmlns:a16="http://schemas.microsoft.com/office/drawing/2014/main" id="{68F18790-33C7-3ED6-A00D-D99D51ECA252}"/>
+              </a:ext>
+            </a:extLst>
+          </p:cNvPr>
+          <p:cNvSpPr txBox="1"/>
+          <p:nvPr/>
+        </p:nvSpPr>
+        <p:spPr>
+          <a:xfrm>
+            <a:off x="7626505" y="6407292"/>
+            <a:ext cx="7911790" cy="369332"/>
+          </a:xfrm>
+          <a:prstGeom prst="rect">
+            <a:avLst/>
+          </a:prstGeom>
+          <a:noFill/>
+        </p:spPr>
+        <p:txBody>
+          <a:bodyPr wrap="square">
+            <a:spAutoFit/>
+          </a:bodyPr>
+          <a:lstStyle/>
+          <a:p>
+            <a:pPr marL="0" marR="0" lvl="0" indent="0" algn="ctr" defTabSz="457200" rtl="0" eaLnBrk="1" fontAlgn="auto" latinLnBrk="0" hangingPunct="1">
+              <a:lnSpc>
+                <a:spcPct val="100000"/>
+              </a:lnSpc>
+              <a:spcBef>
+                <a:spcPts val="0"/>
+              </a:spcBef>
+              <a:spcAft>
+                <a:spcPts val="0"/>
+              </a:spcAft>
+              <a:buClrTx/>
+              <a:buSzTx/>
+              <a:buFontTx/>
+              <a:buNone/>
+              <a:tabLst/>
+              <a:defRPr/>
+            </a:pPr>
+            <a:r>
+              <a:rPr kumimoji="0" lang="en-US" sz="1800" b="0" i="0" u="none" strike="noStrike" kern="1200" cap="none" spc="0" normalizeH="0" baseline="0" noProof="0" dirty="0">
+                <a:ln>
+                  <a:noFill/>
+                </a:ln>
+                <a:solidFill>
+                  <a:prstClr val="white"/>
+                </a:solidFill>
+                <a:effectLst/>
+                <a:uLnTx/>
+                <a:uFillTx/>
+                <a:latin typeface="TradeGothic"/>
+                <a:ea typeface="+mn-ea"/>
+                <a:cs typeface="+mn-cs"/>
+              </a:rPr>
+              <a:t>2</a:t>
+            </a:r>
           </a:p>
         </p:txBody>
       </p:sp>
@@ -8082,22 +8165,40 @@
               <a:defRPr/>
             </a:pPr>
             <a:r>
-              <a:rPr kumimoji="0" lang="en-US" sz="1200" b="0" i="0" u="none" strike="noStrike" kern="1200" cap="none" spc="0" normalizeH="0" baseline="0" noProof="0" dirty="0">
-                <a:ln>
-                  <a:noFill/>
-                </a:ln>
+              <a:rPr lang="en-US" sz="1200" b="1" dirty="0">
+                <a:solidFill>
+                  <a:schemeClr val="bg1"/>
+                </a:solidFill>
+                <a:latin typeface="Arial" panose="020B0604020202020204" pitchFamily="34" charset="0"/>
+                <a:ea typeface="Roboto" panose="02000000000000000000" pitchFamily="2" charset="0"/>
+                <a:cs typeface="Arial" panose="020B0604020202020204" pitchFamily="34" charset="0"/>
+              </a:rPr>
+              <a:t>MUJSIH017 - </a:t>
+            </a:r>
+            <a:r>
+              <a:rPr lang="en-US" sz="1200" dirty="0">
                 <a:solidFill>
                   <a:prstClr val="white"/>
                 </a:solidFill>
-                <a:effectLst/>
-                <a:uLnTx/>
-                <a:uFillTx/>
                 <a:latin typeface="TradeGothic"/>
                 <a:ea typeface="+mn-ea"/>
-                <a:cs typeface="+mn-cs"/>
-              </a:rPr>
-              <a:t>@SIH Idea submission- Template</a:t>
-            </a:r>
+              </a:rPr>
+              <a:t>Clueless Coders</a:t>
+            </a:r>
+            <a:endParaRPr kumimoji="0" lang="en-US" sz="1200" b="0" i="0" u="none" strike="noStrike" kern="1200" cap="none" spc="0" normalizeH="0" baseline="0" noProof="0" dirty="0">
+              <a:ln>
+                <a:noFill/>
+              </a:ln>
+              <a:solidFill>
+                <a:prstClr val="white"/>
+              </a:solidFill>
+              <a:effectLst/>
+              <a:uLnTx/>
+              <a:uFillTx/>
+              <a:latin typeface="TradeGothic"/>
+              <a:ea typeface="+mn-ea"/>
+              <a:cs typeface="+mn-cs"/>
+            </a:endParaRPr>
           </a:p>
         </p:txBody>
       </p:sp>
@@ -9004,22 +9105,40 @@
               <a:defRPr/>
             </a:pPr>
             <a:r>
-              <a:rPr kumimoji="0" lang="en-US" sz="1200" b="0" i="0" u="none" strike="noStrike" kern="1200" cap="none" spc="0" normalizeH="0" baseline="0" noProof="0" dirty="0">
-                <a:ln>
-                  <a:noFill/>
-                </a:ln>
+              <a:rPr lang="en-US" sz="1200" b="1" dirty="0">
+                <a:solidFill>
+                  <a:schemeClr val="bg1"/>
+                </a:solidFill>
+                <a:latin typeface="Arial" panose="020B0604020202020204" pitchFamily="34" charset="0"/>
+                <a:ea typeface="Roboto" panose="02000000000000000000" pitchFamily="2" charset="0"/>
+                <a:cs typeface="Arial" panose="020B0604020202020204" pitchFamily="34" charset="0"/>
+              </a:rPr>
+              <a:t>MUJSIH017 - </a:t>
+            </a:r>
+            <a:r>
+              <a:rPr lang="en-US" sz="1200" dirty="0">
                 <a:solidFill>
                   <a:prstClr val="white"/>
                 </a:solidFill>
-                <a:effectLst/>
-                <a:uLnTx/>
-                <a:uFillTx/>
                 <a:latin typeface="TradeGothic"/>
                 <a:ea typeface="+mn-ea"/>
-                <a:cs typeface="+mn-cs"/>
-              </a:rPr>
-              <a:t>@SIH Idea submission- Template</a:t>
-            </a:r>
+              </a:rPr>
+              <a:t>Clueless Coders</a:t>
+            </a:r>
+            <a:endParaRPr kumimoji="0" lang="en-US" sz="1200" b="0" i="0" u="none" strike="noStrike" kern="1200" cap="none" spc="0" normalizeH="0" baseline="0" noProof="0" dirty="0">
+              <a:ln>
+                <a:noFill/>
+              </a:ln>
+              <a:solidFill>
+                <a:prstClr val="white"/>
+              </a:solidFill>
+              <a:effectLst/>
+              <a:uLnTx/>
+              <a:uFillTx/>
+              <a:latin typeface="TradeGothic"/>
+              <a:ea typeface="+mn-ea"/>
+              <a:cs typeface="+mn-cs"/>
+            </a:endParaRPr>
           </a:p>
         </p:txBody>
       </p:sp>

--- a/Content/MUJSIH017_CluelessCoders.pptx
+++ b/Content/MUJSIH017_CluelessCoders.pptx
@@ -656,7 +656,7 @@
                 <a:spcPct val="0"/>
               </a:spcBef>
             </a:pPr>
-            <a:endParaRPr lang="en-US" dirty="0">
+            <a:endParaRPr lang="en-US">
               <a:ea typeface="ＭＳ Ｐゴシック" pitchFamily="1" charset="-128"/>
             </a:endParaRPr>
           </a:p>
@@ -6935,10 +6935,10 @@
       </p:sp>
       <p:sp>
         <p:nvSpPr>
-          <p:cNvPr id="9" name="TextBox 8">
+          <p:cNvPr id="5" name="TextBox 4">
             <a:extLst>
               <a:ext uri="{FF2B5EF4-FFF2-40B4-BE49-F238E27FC236}">
-                <a16:creationId xmlns:a16="http://schemas.microsoft.com/office/drawing/2014/main" id="{68F18790-33C7-3ED6-A00D-D99D51ECA252}"/>
+                <a16:creationId xmlns:a16="http://schemas.microsoft.com/office/drawing/2014/main" id="{314DA467-0D8A-E4F3-C241-962CDFCA1259}"/>
               </a:ext>
             </a:extLst>
           </p:cNvPr>
@@ -6947,8 +6947,8 @@
         </p:nvSpPr>
         <p:spPr>
           <a:xfrm>
-            <a:off x="7626505" y="6407292"/>
-            <a:ext cx="7911790" cy="369332"/>
+            <a:off x="11413231" y="6390353"/>
+            <a:ext cx="263214" cy="461665"/>
           </a:xfrm>
           <a:prstGeom prst="rect">
             <a:avLst/>
@@ -6956,45 +6956,26 @@
           <a:noFill/>
         </p:spPr>
         <p:txBody>
-          <a:bodyPr wrap="square">
+          <a:bodyPr wrap="none" rtlCol="0">
             <a:spAutoFit/>
           </a:bodyPr>
           <a:lstStyle/>
           <a:p>
-            <a:pPr marL="0" marR="0" lvl="0" indent="0" algn="ctr" defTabSz="457200" rtl="0" eaLnBrk="1" fontAlgn="auto" latinLnBrk="0" hangingPunct="1">
-              <a:lnSpc>
-                <a:spcPct val="100000"/>
-              </a:lnSpc>
-              <a:spcBef>
-                <a:spcPts val="0"/>
-              </a:spcBef>
-              <a:spcAft>
-                <a:spcPts val="0"/>
-              </a:spcAft>
-              <a:buClrTx/>
-              <a:buSzTx/>
-              <a:buFontTx/>
-              <a:buNone/>
-              <a:tabLst/>
-              <a:defRPr/>
-            </a:pPr>
-            <a:r>
-              <a:rPr kumimoji="0" lang="en-US" sz="1800" b="0" i="0" u="none" strike="noStrike" kern="1200" cap="none" spc="0" normalizeH="0" baseline="0" noProof="0" dirty="0">
-                <a:ln>
-                  <a:noFill/>
-                </a:ln>
+            <a:r>
+              <a:rPr lang="en-US" sz="1200" dirty="0">
                 <a:solidFill>
-                  <a:prstClr val="white"/>
+                  <a:schemeClr val="bg1"/>
                 </a:solidFill>
-                <a:effectLst/>
-                <a:uLnTx/>
-                <a:uFillTx/>
-                <a:latin typeface="TradeGothic"/>
-                <a:ea typeface="+mn-ea"/>
-                <a:cs typeface="+mn-cs"/>
               </a:rPr>
               <a:t>2</a:t>
             </a:r>
+          </a:p>
+          <a:p>
+            <a:endParaRPr lang="en-US" sz="1200" dirty="0">
+              <a:solidFill>
+                <a:schemeClr val="bg1"/>
+              </a:solidFill>
+            </a:endParaRPr>
           </a:p>
         </p:txBody>
       </p:sp>
@@ -10071,22 +10052,40 @@
               <a:defRPr/>
             </a:pPr>
             <a:r>
-              <a:rPr kumimoji="0" lang="en-US" sz="1200" b="0" i="0" u="none" strike="noStrike" kern="1200" cap="none" spc="0" normalizeH="0" baseline="0" noProof="0" dirty="0">
-                <a:ln>
-                  <a:noFill/>
-                </a:ln>
+              <a:rPr lang="en-US" sz="1200" b="1" dirty="0">
+                <a:solidFill>
+                  <a:schemeClr val="bg1"/>
+                </a:solidFill>
+                <a:latin typeface="Arial" panose="020B0604020202020204" pitchFamily="34" charset="0"/>
+                <a:ea typeface="Roboto" panose="02000000000000000000" pitchFamily="2" charset="0"/>
+                <a:cs typeface="Arial" panose="020B0604020202020204" pitchFamily="34" charset="0"/>
+              </a:rPr>
+              <a:t>MUJSIH017 - </a:t>
+            </a:r>
+            <a:r>
+              <a:rPr lang="en-US" sz="1200" dirty="0">
                 <a:solidFill>
                   <a:prstClr val="white"/>
                 </a:solidFill>
-                <a:effectLst/>
-                <a:uLnTx/>
-                <a:uFillTx/>
                 <a:latin typeface="TradeGothic"/>
                 <a:ea typeface="+mn-ea"/>
-                <a:cs typeface="+mn-cs"/>
-              </a:rPr>
-              <a:t>@SIH Idea submission- Template</a:t>
-            </a:r>
+              </a:rPr>
+              <a:t>Clueless Coders</a:t>
+            </a:r>
+            <a:endParaRPr kumimoji="0" lang="en-US" sz="1200" b="0" i="0" u="none" strike="noStrike" kern="1200" cap="none" spc="0" normalizeH="0" baseline="0" noProof="0" dirty="0">
+              <a:ln>
+                <a:noFill/>
+              </a:ln>
+              <a:solidFill>
+                <a:prstClr val="white"/>
+              </a:solidFill>
+              <a:effectLst/>
+              <a:uLnTx/>
+              <a:uFillTx/>
+              <a:latin typeface="TradeGothic"/>
+              <a:ea typeface="+mn-ea"/>
+              <a:cs typeface="+mn-cs"/>
+            </a:endParaRPr>
           </a:p>
         </p:txBody>
       </p:sp>

--- a/Content/MUJSIH017_CluelessCoders.pptx
+++ b/Content/MUJSIH017_CluelessCoders.pptx
@@ -10686,7 +10686,19 @@
                 <a:cs typeface="Arial" panose="020B0604020202020204" pitchFamily="34" charset="0"/>
                 <a:hlinkClick r:id="rId11"/>
               </a:rPr>
-              <a:t> Dataset-Paper</a:t>
+              <a:t> </a:t>
+            </a:r>
+            <a:r>
+              <a:rPr lang="en-IN" sz="1400" b="0" i="0" dirty="0">
+                <a:solidFill>
+                  <a:srgbClr val="1F2937"/>
+                </a:solidFill>
+                <a:effectLst/>
+                <a:latin typeface="Arial" panose="020B0604020202020204" pitchFamily="34" charset="0"/>
+                <a:cs typeface="Arial" panose="020B0604020202020204" pitchFamily="34" charset="0"/>
+                <a:hlinkClick r:id="rId12"/>
+              </a:rPr>
+              <a:t>Dataset-Paper</a:t>
             </a:r>
             <a:endParaRPr lang="en-IN" sz="1400" b="0" i="0" dirty="0">
               <a:solidFill>
@@ -10710,7 +10722,7 @@
                 <a:effectLst/>
                 <a:latin typeface="Arial" panose="020B0604020202020204" pitchFamily="34" charset="0"/>
                 <a:cs typeface="Arial" panose="020B0604020202020204" pitchFamily="34" charset="0"/>
-                <a:hlinkClick r:id="rId12"/>
+                <a:hlinkClick r:id="rId13"/>
               </a:rPr>
               <a:t>Word-Level ISL Detection </a:t>
             </a:r>
@@ -10736,7 +10748,7 @@
                 <a:effectLst/>
                 <a:latin typeface="Arial" panose="020B0604020202020204" pitchFamily="34" charset="0"/>
                 <a:cs typeface="Arial" panose="020B0604020202020204" pitchFamily="34" charset="0"/>
-                <a:hlinkClick r:id="rId13"/>
+                <a:hlinkClick r:id="rId14"/>
               </a:rPr>
               <a:t>Speech to ISL Conversion </a:t>
             </a:r>
@@ -10760,7 +10772,7 @@
                 </a:solidFill>
                 <a:latin typeface="Arial" panose="020B0604020202020204" pitchFamily="34" charset="0"/>
                 <a:cs typeface="Arial" panose="020B0604020202020204" pitchFamily="34" charset="0"/>
-                <a:hlinkClick r:id="rId14"/>
+                <a:hlinkClick r:id="rId15"/>
               </a:rPr>
               <a:t>Speech to ISL web</a:t>
             </a:r>
@@ -10786,7 +10798,7 @@
                 <a:effectLst/>
                 <a:latin typeface="Arial" panose="020B0604020202020204" pitchFamily="34" charset="0"/>
                 <a:cs typeface="Arial" panose="020B0604020202020204" pitchFamily="34" charset="0"/>
-                <a:hlinkClick r:id="rId15"/>
+                <a:hlinkClick r:id="rId16"/>
               </a:rPr>
               <a:t>Text to ISL App</a:t>
             </a:r>
@@ -10814,7 +10826,7 @@
                 <a:effectLst/>
                 <a:latin typeface="Arial" panose="020B0604020202020204" pitchFamily="34" charset="0"/>
                 <a:cs typeface="Arial" panose="020B0604020202020204" pitchFamily="34" charset="0"/>
-                <a:hlinkClick r:id="rId16"/>
+                <a:hlinkClick r:id="rId17"/>
               </a:rPr>
               <a:t>ISL with CNNs</a:t>
             </a:r>
@@ -10840,7 +10852,7 @@
                 <a:effectLst/>
                 <a:latin typeface="Arial" panose="020B0604020202020204" pitchFamily="34" charset="0"/>
                 <a:cs typeface="Arial" panose="020B0604020202020204" pitchFamily="34" charset="0"/>
-                <a:hlinkClick r:id="rId17"/>
+                <a:hlinkClick r:id="rId18"/>
               </a:rPr>
               <a:t>Any Model Can Talk</a:t>
             </a:r>
@@ -10909,7 +10921,7 @@
                 <a:effectLst/>
                 <a:latin typeface="Arial" panose="020B0604020202020204" pitchFamily="34" charset="0"/>
                 <a:cs typeface="Arial" panose="020B0604020202020204" pitchFamily="34" charset="0"/>
-                <a:hlinkClick r:id="rId18"/>
+                <a:hlinkClick r:id="rId19"/>
               </a:rPr>
               <a:t>Indian Sign Language Translator using Gesture Recognition </a:t>
             </a:r>
@@ -10935,7 +10947,7 @@
                 <a:effectLst/>
                 <a:latin typeface="Arial" panose="020B0604020202020204" pitchFamily="34" charset="0"/>
                 <a:cs typeface="Arial" panose="020B0604020202020204" pitchFamily="34" charset="0"/>
-                <a:hlinkClick r:id="rId19"/>
+                <a:hlinkClick r:id="rId20"/>
               </a:rPr>
               <a:t>NLP English to ISL Converter </a:t>
             </a:r>
@@ -10961,7 +10973,7 @@
                 <a:effectLst/>
                 <a:latin typeface="Arial" panose="020B0604020202020204" pitchFamily="34" charset="0"/>
                 <a:cs typeface="Arial" panose="020B0604020202020204" pitchFamily="34" charset="0"/>
-                <a:hlinkClick r:id="rId20"/>
+                <a:hlinkClick r:id="rId21"/>
               </a:rPr>
               <a:t>Gesture to Text using SURF </a:t>
             </a:r>
@@ -10987,7 +10999,7 @@
                 <a:effectLst/>
                 <a:latin typeface="Arial" panose="020B0604020202020204" pitchFamily="34" charset="0"/>
                 <a:cs typeface="Arial" panose="020B0604020202020204" pitchFamily="34" charset="0"/>
-                <a:hlinkClick r:id="rId21"/>
+                <a:hlinkClick r:id="rId22"/>
               </a:rPr>
               <a:t>ISL to Text Conversion </a:t>
             </a:r>
@@ -11011,7 +11023,7 @@
                 <a:latin typeface="Arial" panose="020B0604020202020204" pitchFamily="34" charset="0"/>
                 <a:ea typeface="Aptos" panose="020B0004020202020204" pitchFamily="34" charset="0"/>
                 <a:cs typeface="Arial" panose="020B0604020202020204" pitchFamily="34" charset="0"/>
-                <a:hlinkClick r:id="rId22"/>
+                <a:hlinkClick r:id="rId23"/>
               </a:rPr>
               <a:t>Harnessing AI to Generate Indian Sign Language from Natural Speech and Text</a:t>
             </a:r>
@@ -11080,7 +11092,7 @@
                 <a:effectLst/>
                 <a:latin typeface="Arial" panose="020B0604020202020204" pitchFamily="34" charset="0"/>
                 <a:cs typeface="Arial" panose="020B0604020202020204" pitchFamily="34" charset="0"/>
-                <a:hlinkClick r:id="rId23"/>
+                <a:hlinkClick r:id="rId24"/>
               </a:rPr>
               <a:t>Indian Sign Language Portal </a:t>
             </a:r>
@@ -11092,7 +11104,7 @@
                 <a:effectLst/>
                 <a:latin typeface="Arial" panose="020B0604020202020204" pitchFamily="34" charset="0"/>
                 <a:cs typeface="Arial" panose="020B0604020202020204" pitchFamily="34" charset="0"/>
-                <a:hlinkClick r:id="rId24"/>
+                <a:hlinkClick r:id="rId12"/>
               </a:rPr>
               <a:t>iSign</a:t>
             </a:r>
@@ -11104,7 +11116,7 @@
                 <a:effectLst/>
                 <a:latin typeface="Arial" panose="020B0604020202020204" pitchFamily="34" charset="0"/>
                 <a:cs typeface="Arial" panose="020B0604020202020204" pitchFamily="34" charset="0"/>
-                <a:hlinkClick r:id="rId24"/>
+                <a:hlinkClick r:id="rId12"/>
               </a:rPr>
               <a:t>  </a:t>
             </a:r>
@@ -11122,7 +11134,7 @@
                 <a:effectLst/>
                 <a:latin typeface="Arial" panose="020B0604020202020204" pitchFamily="34" charset="0"/>
                 <a:cs typeface="Arial" panose="020B0604020202020204" pitchFamily="34" charset="0"/>
-                <a:hlinkClick r:id="rId24"/>
+                <a:hlinkClick r:id="rId12"/>
               </a:rPr>
               <a:t>Dataset</a:t>
             </a:r>
